--- a/Presentation/Caching_CDP_2017.pptx
+++ b/Presentation/Caching_CDP_2017.pptx
@@ -5,10 +5,10 @@
     <p:sldMasterId id="2147483660" r:id="rId1"/>
   </p:sldMasterIdLst>
   <p:notesMasterIdLst>
-    <p:notesMasterId r:id="rId26"/>
+    <p:notesMasterId r:id="rId27"/>
   </p:notesMasterIdLst>
   <p:handoutMasterIdLst>
-    <p:handoutMasterId r:id="rId27"/>
+    <p:handoutMasterId r:id="rId28"/>
   </p:handoutMasterIdLst>
   <p:sldIdLst>
     <p:sldId id="256" r:id="rId2"/>
@@ -35,6 +35,7 @@
     <p:sldId id="277" r:id="rId23"/>
     <p:sldId id="278" r:id="rId24"/>
     <p:sldId id="279" r:id="rId25"/>
+    <p:sldId id="280" r:id="rId26"/>
   </p:sldIdLst>
   <p:sldSz cx="9144000" cy="6858000" type="screen4x3"/>
   <p:notesSz cx="6858000" cy="9144000"/>
@@ -218,7 +219,7 @@
           <a:p>
             <a:fld id="{F9996D9E-4803-45F4-B987-7D3341BF649F}" type="datetimeFigureOut">
               <a:rPr lang="ru-RU" smtClean="0"/>
-              <a:t>11.07.2017</a:t>
+              <a:t>12.07.2017</a:t>
             </a:fld>
             <a:endParaRPr lang="ru-RU"/>
           </a:p>
@@ -383,7 +384,7 @@
           <a:p>
             <a:fld id="{AF13FF3D-192B-41FE-A4AC-4232846C228F}" type="datetimeFigureOut">
               <a:rPr lang="ru-RU" smtClean="0"/>
-              <a:t>11.07.2017</a:t>
+              <a:t>12.07.2017</a:t>
             </a:fld>
             <a:endParaRPr lang="ru-RU"/>
           </a:p>
@@ -908,6 +909,116 @@
           <a:lstStyle/>
           <a:p>
             <a:r>
+              <a:rPr lang="en-US" dirty="0" smtClean="0"/>
+              <a:t>Improves performance</a:t>
+            </a:r>
+          </a:p>
+          <a:p>
+            <a:r>
+              <a:rPr lang="en-US" dirty="0" smtClean="0"/>
+              <a:t>Reduce database load</a:t>
+            </a:r>
+          </a:p>
+          <a:p>
+            <a:r>
+              <a:rPr lang="en-US" dirty="0" smtClean="0"/>
+              <a:t>Linear scalability</a:t>
+            </a:r>
+          </a:p>
+          <a:p>
+            <a:r>
+              <a:rPr lang="en-US" dirty="0" smtClean="0"/>
+              <a:t>Isolation from </a:t>
+            </a:r>
+            <a:r>
+              <a:rPr lang="en-US" smtClean="0"/>
+              <a:t>database failures</a:t>
+            </a:r>
+            <a:endParaRPr lang="ru-RU"/>
+          </a:p>
+        </p:txBody>
+      </p:sp>
+      <p:sp>
+        <p:nvSpPr>
+          <p:cNvPr id="4" name="Номер слайда 3"/>
+          <p:cNvSpPr>
+            <a:spLocks noGrp="1"/>
+          </p:cNvSpPr>
+          <p:nvPr>
+            <p:ph type="sldNum" sz="quarter" idx="10"/>
+          </p:nvPr>
+        </p:nvSpPr>
+        <p:spPr/>
+        <p:txBody>
+          <a:bodyPr/>
+          <a:lstStyle/>
+          <a:p>
+            <a:fld id="{E8793AC3-E46D-4A16-BE60-CDBBB4CF49E8}" type="slidenum">
+              <a:rPr lang="ru-RU" smtClean="0"/>
+              <a:t>13</a:t>
+            </a:fld>
+            <a:endParaRPr lang="ru-RU"/>
+          </a:p>
+        </p:txBody>
+      </p:sp>
+    </p:spTree>
+    <p:extLst>
+      <p:ext uri="{BB962C8B-B14F-4D97-AF65-F5344CB8AC3E}">
+        <p14:creationId xmlns:p14="http://schemas.microsoft.com/office/powerpoint/2010/main" val="114318131"/>
+      </p:ext>
+    </p:extLst>
+  </p:cSld>
+  <p:clrMapOvr>
+    <a:masterClrMapping/>
+  </p:clrMapOvr>
+</p:notes>
+</file>
+
+<file path=ppt/notesSlides/notesSlide4.xml><?xml version="1.0" encoding="utf-8"?>
+<p:notes xmlns:a="http://schemas.openxmlformats.org/drawingml/2006/main" xmlns:r="http://schemas.openxmlformats.org/officeDocument/2006/relationships" xmlns:p="http://schemas.openxmlformats.org/presentationml/2006/main">
+  <p:cSld>
+    <p:spTree>
+      <p:nvGrpSpPr>
+        <p:cNvPr id="1" name=""/>
+        <p:cNvGrpSpPr/>
+        <p:nvPr/>
+      </p:nvGrpSpPr>
+      <p:grpSpPr>
+        <a:xfrm>
+          <a:off x="0" y="0"/>
+          <a:ext cx="0" cy="0"/>
+          <a:chOff x="0" y="0"/>
+          <a:chExt cx="0" cy="0"/>
+        </a:xfrm>
+      </p:grpSpPr>
+      <p:sp>
+        <p:nvSpPr>
+          <p:cNvPr id="2" name="Образ слайда 1"/>
+          <p:cNvSpPr>
+            <a:spLocks noGrp="1" noRot="1" noChangeAspect="1"/>
+          </p:cNvSpPr>
+          <p:nvPr>
+            <p:ph type="sldImg"/>
+          </p:nvPr>
+        </p:nvSpPr>
+        <p:spPr/>
+      </p:sp>
+      <p:sp>
+        <p:nvSpPr>
+          <p:cNvPr id="3" name="Заметки 2"/>
+          <p:cNvSpPr>
+            <a:spLocks noGrp="1"/>
+          </p:cNvSpPr>
+          <p:nvPr>
+            <p:ph type="body" idx="1"/>
+          </p:nvPr>
+        </p:nvSpPr>
+        <p:spPr/>
+        <p:txBody>
+          <a:bodyPr/>
+          <a:lstStyle/>
+          <a:p>
+            <a:r>
               <a:rPr lang="ru-RU" dirty="0" smtClean="0"/>
               <a:t>Оптимально</a:t>
             </a:r>
@@ -1088,7 +1199,7 @@
 </p:notes>
 </file>
 
-<file path=ppt/notesSlides/notesSlide4.xml><?xml version="1.0" encoding="utf-8"?>
+<file path=ppt/notesSlides/notesSlide5.xml><?xml version="1.0" encoding="utf-8"?>
 <p:notes xmlns:a="http://schemas.openxmlformats.org/drawingml/2006/main" xmlns:r="http://schemas.openxmlformats.org/officeDocument/2006/relationships" xmlns:p="http://schemas.openxmlformats.org/presentationml/2006/main">
   <p:cSld>
     <p:spTree>
@@ -1285,7 +1396,7 @@
           <a:p>
             <a:fld id="{91A12DBF-3B54-43D6-8478-CB30678BC5CA}" type="datetimeFigureOut">
               <a:rPr lang="ru-RU" smtClean="0"/>
-              <a:t>11.07.2017</a:t>
+              <a:t>12.07.2017</a:t>
             </a:fld>
             <a:endParaRPr lang="ru-RU"/>
           </a:p>
@@ -1675,7 +1786,7 @@
           <a:p>
             <a:fld id="{91A12DBF-3B54-43D6-8478-CB30678BC5CA}" type="datetimeFigureOut">
               <a:rPr lang="ru-RU" smtClean="0"/>
-              <a:t>11.07.2017</a:t>
+              <a:t>12.07.2017</a:t>
             </a:fld>
             <a:endParaRPr lang="ru-RU"/>
           </a:p>
@@ -1874,7 +1985,7 @@
           <a:p>
             <a:fld id="{91A12DBF-3B54-43D6-8478-CB30678BC5CA}" type="datetimeFigureOut">
               <a:rPr lang="ru-RU" smtClean="0"/>
-              <a:t>11.07.2017</a:t>
+              <a:t>12.07.2017</a:t>
             </a:fld>
             <a:endParaRPr lang="ru-RU"/>
           </a:p>
@@ -2042,7 +2153,7 @@
           <a:p>
             <a:fld id="{91A12DBF-3B54-43D6-8478-CB30678BC5CA}" type="datetimeFigureOut">
               <a:rPr lang="ru-RU" smtClean="0"/>
-              <a:t>11.07.2017</a:t>
+              <a:t>12.07.2017</a:t>
             </a:fld>
             <a:endParaRPr lang="ru-RU"/>
           </a:p>
@@ -2220,7 +2331,7 @@
           <a:p>
             <a:fld id="{91A12DBF-3B54-43D6-8478-CB30678BC5CA}" type="datetimeFigureOut">
               <a:rPr lang="ru-RU" smtClean="0"/>
-              <a:t>11.07.2017</a:t>
+              <a:t>12.07.2017</a:t>
             </a:fld>
             <a:endParaRPr lang="ru-RU"/>
           </a:p>
@@ -2419,7 +2530,7 @@
           <a:p>
             <a:fld id="{91A12DBF-3B54-43D6-8478-CB30678BC5CA}" type="datetimeFigureOut">
               <a:rPr lang="ru-RU" smtClean="0"/>
-              <a:t>11.07.2017</a:t>
+              <a:t>12.07.2017</a:t>
             </a:fld>
             <a:endParaRPr lang="ru-RU"/>
           </a:p>
@@ -2630,7 +2741,7 @@
           <a:p>
             <a:fld id="{91A12DBF-3B54-43D6-8478-CB30678BC5CA}" type="datetimeFigureOut">
               <a:rPr lang="ru-RU" smtClean="0"/>
-              <a:t>11.07.2017</a:t>
+              <a:t>12.07.2017</a:t>
             </a:fld>
             <a:endParaRPr lang="ru-RU"/>
           </a:p>
@@ -2937,7 +3048,7 @@
           <a:p>
             <a:fld id="{91A12DBF-3B54-43D6-8478-CB30678BC5CA}" type="datetimeFigureOut">
               <a:rPr lang="ru-RU" smtClean="0"/>
-              <a:t>11.07.2017</a:t>
+              <a:t>12.07.2017</a:t>
             </a:fld>
             <a:endParaRPr lang="ru-RU"/>
           </a:p>
@@ -3376,7 +3487,7 @@
           <a:p>
             <a:fld id="{91A12DBF-3B54-43D6-8478-CB30678BC5CA}" type="datetimeFigureOut">
               <a:rPr lang="ru-RU" smtClean="0"/>
-              <a:t>11.07.2017</a:t>
+              <a:t>12.07.2017</a:t>
             </a:fld>
             <a:endParaRPr lang="ru-RU"/>
           </a:p>
@@ -3513,7 +3624,7 @@
           <a:p>
             <a:fld id="{91A12DBF-3B54-43D6-8478-CB30678BC5CA}" type="datetimeFigureOut">
               <a:rPr lang="ru-RU" smtClean="0"/>
-              <a:t>11.07.2017</a:t>
+              <a:t>12.07.2017</a:t>
             </a:fld>
             <a:endParaRPr lang="ru-RU"/>
           </a:p>
@@ -3627,7 +3738,7 @@
           <a:p>
             <a:fld id="{91A12DBF-3B54-43D6-8478-CB30678BC5CA}" type="datetimeFigureOut">
               <a:rPr lang="ru-RU" smtClean="0"/>
-              <a:t>11.07.2017</a:t>
+              <a:t>12.07.2017</a:t>
             </a:fld>
             <a:endParaRPr lang="ru-RU"/>
           </a:p>
@@ -3923,7 +4034,7 @@
           <a:p>
             <a:fld id="{91A12DBF-3B54-43D6-8478-CB30678BC5CA}" type="datetimeFigureOut">
               <a:rPr lang="ru-RU" smtClean="0"/>
-              <a:t>11.07.2017</a:t>
+              <a:t>12.07.2017</a:t>
             </a:fld>
             <a:endParaRPr lang="ru-RU"/>
           </a:p>
@@ -4199,7 +4310,7 @@
           <a:p>
             <a:fld id="{91A12DBF-3B54-43D6-8478-CB30678BC5CA}" type="datetimeFigureOut">
               <a:rPr lang="ru-RU" smtClean="0"/>
-              <a:t>11.07.2017</a:t>
+              <a:t>12.07.2017</a:t>
             </a:fld>
             <a:endParaRPr lang="ru-RU"/>
           </a:p>
@@ -4624,7 +4735,7 @@
           <a:p>
             <a:fld id="{91A12DBF-3B54-43D6-8478-CB30678BC5CA}" type="datetimeFigureOut">
               <a:rPr lang="ru-RU" smtClean="0"/>
-              <a:t>11.07.2017</a:t>
+              <a:t>12.07.2017</a:t>
             </a:fld>
             <a:endParaRPr lang="ru-RU"/>
           </a:p>
@@ -6785,7 +6896,7 @@
           </p:nvPr>
         </p:nvPicPr>
         <p:blipFill>
-          <a:blip r:embed="rId2">
+          <a:blip r:embed="rId3">
             <a:extLst>
               <a:ext uri="{28A0092B-C50C-407E-A947-70E740481C1C}">
                 <a14:useLocalDpi xmlns:a14="http://schemas.microsoft.com/office/drawing/2010/main" val="0"/>
@@ -8896,6 +9007,78 @@
     <p:extLst>
       <p:ext uri="{BB962C8B-B14F-4D97-AF65-F5344CB8AC3E}">
         <p14:creationId xmlns:p14="http://schemas.microsoft.com/office/powerpoint/2010/main" val="689445584"/>
+      </p:ext>
+    </p:extLst>
+  </p:cSld>
+  <p:clrMapOvr>
+    <a:masterClrMapping/>
+  </p:clrMapOvr>
+</p:sld>
+</file>
+
+<file path=ppt/slides/slide25.xml><?xml version="1.0" encoding="utf-8"?>
+<p:sld xmlns:a="http://schemas.openxmlformats.org/drawingml/2006/main" xmlns:r="http://schemas.openxmlformats.org/officeDocument/2006/relationships" xmlns:p="http://schemas.openxmlformats.org/presentationml/2006/main">
+  <p:cSld>
+    <p:spTree>
+      <p:nvGrpSpPr>
+        <p:cNvPr id="1" name=""/>
+        <p:cNvGrpSpPr/>
+        <p:nvPr/>
+      </p:nvGrpSpPr>
+      <p:grpSpPr>
+        <a:xfrm>
+          <a:off x="0" y="0"/>
+          <a:ext cx="0" cy="0"/>
+          <a:chOff x="0" y="0"/>
+          <a:chExt cx="0" cy="0"/>
+        </a:xfrm>
+      </p:grpSpPr>
+      <p:sp>
+        <p:nvSpPr>
+          <p:cNvPr id="5" name="Подзаголовок 4"/>
+          <p:cNvSpPr>
+            <a:spLocks noGrp="1"/>
+          </p:cNvSpPr>
+          <p:nvPr>
+            <p:ph type="subTitle" idx="1"/>
+          </p:nvPr>
+        </p:nvSpPr>
+        <p:spPr/>
+        <p:txBody>
+          <a:bodyPr/>
+          <a:lstStyle/>
+          <a:p>
+            <a:endParaRPr lang="ru-RU"/>
+          </a:p>
+        </p:txBody>
+      </p:sp>
+      <p:sp>
+        <p:nvSpPr>
+          <p:cNvPr id="4" name="Заголовок 3"/>
+          <p:cNvSpPr>
+            <a:spLocks noGrp="1"/>
+          </p:cNvSpPr>
+          <p:nvPr>
+            <p:ph type="ctrTitle"/>
+          </p:nvPr>
+        </p:nvSpPr>
+        <p:spPr/>
+        <p:txBody>
+          <a:bodyPr/>
+          <a:lstStyle/>
+          <a:p>
+            <a:r>
+              <a:rPr lang="en-US" dirty="0" smtClean="0"/>
+              <a:t>DEMO</a:t>
+            </a:r>
+            <a:endParaRPr lang="ru-RU" dirty="0"/>
+          </a:p>
+        </p:txBody>
+      </p:sp>
+    </p:spTree>
+    <p:extLst>
+      <p:ext uri="{BB962C8B-B14F-4D97-AF65-F5344CB8AC3E}">
+        <p14:creationId xmlns:p14="http://schemas.microsoft.com/office/powerpoint/2010/main" val="2840964056"/>
       </p:ext>
     </p:extLst>
   </p:cSld>
